--- a/images/template.pptx
+++ b/images/template.pptx
@@ -2,12 +2,12 @@
 <file path=ppt/presentation.xml><?xml version="1.0" encoding="utf-8"?>
 <p:presentation xmlns:a="http://schemas.openxmlformats.org/drawingml/2006/main" xmlns:r="http://schemas.openxmlformats.org/officeDocument/2006/relationships" xmlns:p="http://schemas.openxmlformats.org/presentationml/2006/main" saveSubsetFonts="1">
   <p:sldMasterIdLst>
-    <p:sldMasterId id="2147483660" r:id="rId1"/>
+    <p:sldMasterId id="2147483672" r:id="rId1"/>
   </p:sldMasterIdLst>
   <p:sldIdLst>
     <p:sldId id="256" r:id="rId2"/>
   </p:sldIdLst>
-  <p:sldSz cx="6858000" cy="8002588"/>
+  <p:sldSz cx="7199313" cy="7199313"/>
   <p:notesSz cx="6858000" cy="9144000"/>
   <p:defaultTextStyle>
     <a:defPPr>
@@ -141,15 +141,15 @@
         </p:nvSpPr>
         <p:spPr>
           <a:xfrm>
-            <a:off x="514350" y="1309683"/>
-            <a:ext cx="5829300" cy="2786086"/>
+            <a:off x="539949" y="1178222"/>
+            <a:ext cx="6119416" cy="2506427"/>
           </a:xfrm>
         </p:spPr>
         <p:txBody>
           <a:bodyPr anchor="b"/>
           <a:lstStyle>
             <a:lvl1pPr algn="ctr">
-              <a:defRPr sz="4500"/>
+              <a:defRPr sz="4724"/>
             </a:lvl1pPr>
           </a:lstStyle>
           <a:p>
@@ -173,8 +173,8 @@
         </p:nvSpPr>
         <p:spPr>
           <a:xfrm>
-            <a:off x="857250" y="4203212"/>
-            <a:ext cx="5143500" cy="1932106"/>
+            <a:off x="899914" y="3781306"/>
+            <a:ext cx="5399485" cy="1738167"/>
           </a:xfrm>
         </p:spPr>
         <p:txBody>
@@ -182,39 +182,39 @@
           <a:lstStyle>
             <a:lvl1pPr marL="0" indent="0" algn="ctr">
               <a:buNone/>
-              <a:defRPr sz="1800"/>
+              <a:defRPr sz="1890"/>
             </a:lvl1pPr>
-            <a:lvl2pPr marL="342900" indent="0" algn="ctr">
-              <a:buNone/>
-              <a:defRPr sz="1500"/>
+            <a:lvl2pPr marL="359954" indent="0" algn="ctr">
+              <a:buNone/>
+              <a:defRPr sz="1575"/>
             </a:lvl2pPr>
-            <a:lvl3pPr marL="685800" indent="0" algn="ctr">
-              <a:buNone/>
-              <a:defRPr sz="1350"/>
+            <a:lvl3pPr marL="719907" indent="0" algn="ctr">
+              <a:buNone/>
+              <a:defRPr sz="1417"/>
             </a:lvl3pPr>
-            <a:lvl4pPr marL="1028700" indent="0" algn="ctr">
-              <a:buNone/>
-              <a:defRPr sz="1200"/>
+            <a:lvl4pPr marL="1079861" indent="0" algn="ctr">
+              <a:buNone/>
+              <a:defRPr sz="1260"/>
             </a:lvl4pPr>
-            <a:lvl5pPr marL="1371600" indent="0" algn="ctr">
-              <a:buNone/>
-              <a:defRPr sz="1200"/>
+            <a:lvl5pPr marL="1439814" indent="0" algn="ctr">
+              <a:buNone/>
+              <a:defRPr sz="1260"/>
             </a:lvl5pPr>
-            <a:lvl6pPr marL="1714500" indent="0" algn="ctr">
-              <a:buNone/>
-              <a:defRPr sz="1200"/>
+            <a:lvl6pPr marL="1799768" indent="0" algn="ctr">
+              <a:buNone/>
+              <a:defRPr sz="1260"/>
             </a:lvl6pPr>
-            <a:lvl7pPr marL="2057400" indent="0" algn="ctr">
-              <a:buNone/>
-              <a:defRPr sz="1200"/>
+            <a:lvl7pPr marL="2159721" indent="0" algn="ctr">
+              <a:buNone/>
+              <a:defRPr sz="1260"/>
             </a:lvl7pPr>
-            <a:lvl8pPr marL="2400300" indent="0" algn="ctr">
-              <a:buNone/>
-              <a:defRPr sz="1200"/>
+            <a:lvl8pPr marL="2519675" indent="0" algn="ctr">
+              <a:buNone/>
+              <a:defRPr sz="1260"/>
             </a:lvl8pPr>
-            <a:lvl9pPr marL="2743200" indent="0" algn="ctr">
-              <a:buNone/>
-              <a:defRPr sz="1200"/>
+            <a:lvl9pPr marL="2879628" indent="0" algn="ctr">
+              <a:buNone/>
+              <a:defRPr sz="1260"/>
             </a:lvl9pPr>
           </a:lstStyle>
           <a:p>
@@ -243,7 +243,7 @@
           <a:p>
             <a:fld id="{BBC3F7C4-7E56-4B34-8CEA-9FA02990AABE}" type="datetimeFigureOut">
               <a:rPr lang="en-GB" smtClean="0"/>
-              <a:t>05/11/2021</a:t>
+              <a:t>07/11/2021</a:t>
             </a:fld>
             <a:endParaRPr lang="en-GB"/>
           </a:p>
@@ -294,7 +294,7 @@
     </p:spTree>
     <p:extLst>
       <p:ext uri="{BB962C8B-B14F-4D97-AF65-F5344CB8AC3E}">
-        <p14:creationId xmlns:p14="http://schemas.microsoft.com/office/powerpoint/2010/main" val="193770433"/>
+        <p14:creationId xmlns:p14="http://schemas.microsoft.com/office/powerpoint/2010/main" val="1290545129"/>
       </p:ext>
     </p:extLst>
   </p:cSld>
@@ -413,7 +413,7 @@
           <a:p>
             <a:fld id="{BBC3F7C4-7E56-4B34-8CEA-9FA02990AABE}" type="datetimeFigureOut">
               <a:rPr lang="en-GB" smtClean="0"/>
-              <a:t>05/11/2021</a:t>
+              <a:t>07/11/2021</a:t>
             </a:fld>
             <a:endParaRPr lang="en-GB"/>
           </a:p>
@@ -464,7 +464,7 @@
     </p:spTree>
     <p:extLst>
       <p:ext uri="{BB962C8B-B14F-4D97-AF65-F5344CB8AC3E}">
-        <p14:creationId xmlns:p14="http://schemas.microsoft.com/office/powerpoint/2010/main" val="3509341068"/>
+        <p14:creationId xmlns:p14="http://schemas.microsoft.com/office/powerpoint/2010/main" val="316349693"/>
       </p:ext>
     </p:extLst>
   </p:cSld>
@@ -503,8 +503,8 @@
         </p:nvSpPr>
         <p:spPr>
           <a:xfrm>
-            <a:off x="4907757" y="426064"/>
-            <a:ext cx="1478756" cy="6781823"/>
+            <a:off x="5152009" y="383297"/>
+            <a:ext cx="1552352" cy="6101085"/>
           </a:xfrm>
         </p:spPr>
         <p:txBody>
@@ -531,8 +531,8 @@
         </p:nvSpPr>
         <p:spPr>
           <a:xfrm>
-            <a:off x="471488" y="426064"/>
-            <a:ext cx="4350544" cy="6781823"/>
+            <a:off x="494953" y="383297"/>
+            <a:ext cx="4567064" cy="6101085"/>
           </a:xfrm>
         </p:spPr>
         <p:txBody>
@@ -593,7 +593,7 @@
           <a:p>
             <a:fld id="{BBC3F7C4-7E56-4B34-8CEA-9FA02990AABE}" type="datetimeFigureOut">
               <a:rPr lang="en-GB" smtClean="0"/>
-              <a:t>05/11/2021</a:t>
+              <a:t>07/11/2021</a:t>
             </a:fld>
             <a:endParaRPr lang="en-GB"/>
           </a:p>
@@ -644,7 +644,7 @@
     </p:spTree>
     <p:extLst>
       <p:ext uri="{BB962C8B-B14F-4D97-AF65-F5344CB8AC3E}">
-        <p14:creationId xmlns:p14="http://schemas.microsoft.com/office/powerpoint/2010/main" val="1224162017"/>
+        <p14:creationId xmlns:p14="http://schemas.microsoft.com/office/powerpoint/2010/main" val="789592048"/>
       </p:ext>
     </p:extLst>
   </p:cSld>
@@ -763,7 +763,7 @@
           <a:p>
             <a:fld id="{BBC3F7C4-7E56-4B34-8CEA-9FA02990AABE}" type="datetimeFigureOut">
               <a:rPr lang="en-GB" smtClean="0"/>
-              <a:t>05/11/2021</a:t>
+              <a:t>07/11/2021</a:t>
             </a:fld>
             <a:endParaRPr lang="en-GB"/>
           </a:p>
@@ -814,7 +814,7 @@
     </p:spTree>
     <p:extLst>
       <p:ext uri="{BB962C8B-B14F-4D97-AF65-F5344CB8AC3E}">
-        <p14:creationId xmlns:p14="http://schemas.microsoft.com/office/powerpoint/2010/main" val="127020621"/>
+        <p14:creationId xmlns:p14="http://schemas.microsoft.com/office/powerpoint/2010/main" val="1041227171"/>
       </p:ext>
     </p:extLst>
   </p:cSld>
@@ -853,15 +853,15 @@
         </p:nvSpPr>
         <p:spPr>
           <a:xfrm>
-            <a:off x="467916" y="1995092"/>
-            <a:ext cx="5915025" cy="3328854"/>
+            <a:off x="491204" y="1794831"/>
+            <a:ext cx="6209407" cy="2994714"/>
           </a:xfrm>
         </p:spPr>
         <p:txBody>
           <a:bodyPr anchor="b"/>
           <a:lstStyle>
             <a:lvl1pPr>
-              <a:defRPr sz="4500"/>
+              <a:defRPr sz="4724"/>
             </a:lvl1pPr>
           </a:lstStyle>
           <a:p>
@@ -885,8 +885,8 @@
         </p:nvSpPr>
         <p:spPr>
           <a:xfrm>
-            <a:off x="467916" y="5355438"/>
-            <a:ext cx="5915025" cy="1750566"/>
+            <a:off x="491204" y="4817876"/>
+            <a:ext cx="6209407" cy="1574849"/>
           </a:xfrm>
         </p:spPr>
         <p:txBody>
@@ -894,15 +894,15 @@
           <a:lstStyle>
             <a:lvl1pPr marL="0" indent="0">
               <a:buNone/>
-              <a:defRPr sz="1800">
+              <a:defRPr sz="1890">
                 <a:solidFill>
                   <a:schemeClr val="tx1"/>
                 </a:solidFill>
               </a:defRPr>
             </a:lvl1pPr>
-            <a:lvl2pPr marL="342900" indent="0">
-              <a:buNone/>
-              <a:defRPr sz="1500">
+            <a:lvl2pPr marL="359954" indent="0">
+              <a:buNone/>
+              <a:defRPr sz="1575">
                 <a:solidFill>
                   <a:schemeClr val="tx1">
                     <a:tint val="75000"/>
@@ -910,9 +910,9 @@
                 </a:solidFill>
               </a:defRPr>
             </a:lvl2pPr>
-            <a:lvl3pPr marL="685800" indent="0">
-              <a:buNone/>
-              <a:defRPr sz="1350">
+            <a:lvl3pPr marL="719907" indent="0">
+              <a:buNone/>
+              <a:defRPr sz="1417">
                 <a:solidFill>
                   <a:schemeClr val="tx1">
                     <a:tint val="75000"/>
@@ -920,9 +920,9 @@
                 </a:solidFill>
               </a:defRPr>
             </a:lvl3pPr>
-            <a:lvl4pPr marL="1028700" indent="0">
-              <a:buNone/>
-              <a:defRPr sz="1200">
+            <a:lvl4pPr marL="1079861" indent="0">
+              <a:buNone/>
+              <a:defRPr sz="1260">
                 <a:solidFill>
                   <a:schemeClr val="tx1">
                     <a:tint val="75000"/>
@@ -930,9 +930,9 @@
                 </a:solidFill>
               </a:defRPr>
             </a:lvl4pPr>
-            <a:lvl5pPr marL="1371600" indent="0">
-              <a:buNone/>
-              <a:defRPr sz="1200">
+            <a:lvl5pPr marL="1439814" indent="0">
+              <a:buNone/>
+              <a:defRPr sz="1260">
                 <a:solidFill>
                   <a:schemeClr val="tx1">
                     <a:tint val="75000"/>
@@ -940,9 +940,9 @@
                 </a:solidFill>
               </a:defRPr>
             </a:lvl5pPr>
-            <a:lvl6pPr marL="1714500" indent="0">
-              <a:buNone/>
-              <a:defRPr sz="1200">
+            <a:lvl6pPr marL="1799768" indent="0">
+              <a:buNone/>
+              <a:defRPr sz="1260">
                 <a:solidFill>
                   <a:schemeClr val="tx1">
                     <a:tint val="75000"/>
@@ -950,9 +950,9 @@
                 </a:solidFill>
               </a:defRPr>
             </a:lvl6pPr>
-            <a:lvl7pPr marL="2057400" indent="0">
-              <a:buNone/>
-              <a:defRPr sz="1200">
+            <a:lvl7pPr marL="2159721" indent="0">
+              <a:buNone/>
+              <a:defRPr sz="1260">
                 <a:solidFill>
                   <a:schemeClr val="tx1">
                     <a:tint val="75000"/>
@@ -960,9 +960,9 @@
                 </a:solidFill>
               </a:defRPr>
             </a:lvl7pPr>
-            <a:lvl8pPr marL="2400300" indent="0">
-              <a:buNone/>
-              <a:defRPr sz="1200">
+            <a:lvl8pPr marL="2519675" indent="0">
+              <a:buNone/>
+              <a:defRPr sz="1260">
                 <a:solidFill>
                   <a:schemeClr val="tx1">
                     <a:tint val="75000"/>
@@ -970,9 +970,9 @@
                 </a:solidFill>
               </a:defRPr>
             </a:lvl8pPr>
-            <a:lvl9pPr marL="2743200" indent="0">
-              <a:buNone/>
-              <a:defRPr sz="1200">
+            <a:lvl9pPr marL="2879628" indent="0">
+              <a:buNone/>
+              <a:defRPr sz="1260">
                 <a:solidFill>
                   <a:schemeClr val="tx1">
                     <a:tint val="75000"/>
@@ -1007,7 +1007,7 @@
           <a:p>
             <a:fld id="{BBC3F7C4-7E56-4B34-8CEA-9FA02990AABE}" type="datetimeFigureOut">
               <a:rPr lang="en-GB" smtClean="0"/>
-              <a:t>05/11/2021</a:t>
+              <a:t>07/11/2021</a:t>
             </a:fld>
             <a:endParaRPr lang="en-GB"/>
           </a:p>
@@ -1058,7 +1058,7 @@
     </p:spTree>
     <p:extLst>
       <p:ext uri="{BB962C8B-B14F-4D97-AF65-F5344CB8AC3E}">
-        <p14:creationId xmlns:p14="http://schemas.microsoft.com/office/powerpoint/2010/main" val="1301729285"/>
+        <p14:creationId xmlns:p14="http://schemas.microsoft.com/office/powerpoint/2010/main" val="1324018694"/>
       </p:ext>
     </p:extLst>
   </p:cSld>
@@ -1120,8 +1120,8 @@
         </p:nvSpPr>
         <p:spPr>
           <a:xfrm>
-            <a:off x="471488" y="2130318"/>
-            <a:ext cx="2914650" cy="5077569"/>
+            <a:off x="494953" y="1916484"/>
+            <a:ext cx="3059708" cy="4567898"/>
           </a:xfrm>
         </p:spPr>
         <p:txBody>
@@ -1177,8 +1177,8 @@
         </p:nvSpPr>
         <p:spPr>
           <a:xfrm>
-            <a:off x="3471863" y="2130318"/>
-            <a:ext cx="2914650" cy="5077569"/>
+            <a:off x="3644652" y="1916484"/>
+            <a:ext cx="3059708" cy="4567898"/>
           </a:xfrm>
         </p:spPr>
         <p:txBody>
@@ -1239,7 +1239,7 @@
           <a:p>
             <a:fld id="{BBC3F7C4-7E56-4B34-8CEA-9FA02990AABE}" type="datetimeFigureOut">
               <a:rPr lang="en-GB" smtClean="0"/>
-              <a:t>05/11/2021</a:t>
+              <a:t>07/11/2021</a:t>
             </a:fld>
             <a:endParaRPr lang="en-GB"/>
           </a:p>
@@ -1290,7 +1290,7 @@
     </p:spTree>
     <p:extLst>
       <p:ext uri="{BB962C8B-B14F-4D97-AF65-F5344CB8AC3E}">
-        <p14:creationId xmlns:p14="http://schemas.microsoft.com/office/powerpoint/2010/main" val="2143792262"/>
+        <p14:creationId xmlns:p14="http://schemas.microsoft.com/office/powerpoint/2010/main" val="870347172"/>
       </p:ext>
     </p:extLst>
   </p:cSld>
@@ -1329,8 +1329,8 @@
         </p:nvSpPr>
         <p:spPr>
           <a:xfrm>
-            <a:off x="472381" y="426066"/>
-            <a:ext cx="5915025" cy="1546797"/>
+            <a:off x="495891" y="383299"/>
+            <a:ext cx="6209407" cy="1391534"/>
           </a:xfrm>
         </p:spPr>
         <p:txBody>
@@ -1357,8 +1357,8 @@
         </p:nvSpPr>
         <p:spPr>
           <a:xfrm>
-            <a:off x="472381" y="1961746"/>
-            <a:ext cx="2901255" cy="961421"/>
+            <a:off x="495891" y="1764832"/>
+            <a:ext cx="3045646" cy="864917"/>
           </a:xfrm>
         </p:spPr>
         <p:txBody>
@@ -1366,39 +1366,39 @@
           <a:lstStyle>
             <a:lvl1pPr marL="0" indent="0">
               <a:buNone/>
-              <a:defRPr sz="1800" b="1"/>
+              <a:defRPr sz="1890" b="1"/>
             </a:lvl1pPr>
-            <a:lvl2pPr marL="342900" indent="0">
-              <a:buNone/>
-              <a:defRPr sz="1500" b="1"/>
+            <a:lvl2pPr marL="359954" indent="0">
+              <a:buNone/>
+              <a:defRPr sz="1575" b="1"/>
             </a:lvl2pPr>
-            <a:lvl3pPr marL="685800" indent="0">
-              <a:buNone/>
-              <a:defRPr sz="1350" b="1"/>
+            <a:lvl3pPr marL="719907" indent="0">
+              <a:buNone/>
+              <a:defRPr sz="1417" b="1"/>
             </a:lvl3pPr>
-            <a:lvl4pPr marL="1028700" indent="0">
-              <a:buNone/>
-              <a:defRPr sz="1200" b="1"/>
+            <a:lvl4pPr marL="1079861" indent="0">
+              <a:buNone/>
+              <a:defRPr sz="1260" b="1"/>
             </a:lvl4pPr>
-            <a:lvl5pPr marL="1371600" indent="0">
-              <a:buNone/>
-              <a:defRPr sz="1200" b="1"/>
+            <a:lvl5pPr marL="1439814" indent="0">
+              <a:buNone/>
+              <a:defRPr sz="1260" b="1"/>
             </a:lvl5pPr>
-            <a:lvl6pPr marL="1714500" indent="0">
-              <a:buNone/>
-              <a:defRPr sz="1200" b="1"/>
+            <a:lvl6pPr marL="1799768" indent="0">
+              <a:buNone/>
+              <a:defRPr sz="1260" b="1"/>
             </a:lvl6pPr>
-            <a:lvl7pPr marL="2057400" indent="0">
-              <a:buNone/>
-              <a:defRPr sz="1200" b="1"/>
+            <a:lvl7pPr marL="2159721" indent="0">
+              <a:buNone/>
+              <a:defRPr sz="1260" b="1"/>
             </a:lvl7pPr>
-            <a:lvl8pPr marL="2400300" indent="0">
-              <a:buNone/>
-              <a:defRPr sz="1200" b="1"/>
+            <a:lvl8pPr marL="2519675" indent="0">
+              <a:buNone/>
+              <a:defRPr sz="1260" b="1"/>
             </a:lvl8pPr>
-            <a:lvl9pPr marL="2743200" indent="0">
-              <a:buNone/>
-              <a:defRPr sz="1200" b="1"/>
+            <a:lvl9pPr marL="2879628" indent="0">
+              <a:buNone/>
+              <a:defRPr sz="1260" b="1"/>
             </a:lvl9pPr>
           </a:lstStyle>
           <a:p>
@@ -1422,8 +1422,8 @@
         </p:nvSpPr>
         <p:spPr>
           <a:xfrm>
-            <a:off x="472381" y="2923168"/>
-            <a:ext cx="2901255" cy="4299539"/>
+            <a:off x="495891" y="2629749"/>
+            <a:ext cx="3045646" cy="3867965"/>
           </a:xfrm>
         </p:spPr>
         <p:txBody>
@@ -1479,8 +1479,8 @@
         </p:nvSpPr>
         <p:spPr>
           <a:xfrm>
-            <a:off x="3471863" y="1961746"/>
-            <a:ext cx="2915543" cy="961421"/>
+            <a:off x="3644652" y="1764832"/>
+            <a:ext cx="3060646" cy="864917"/>
           </a:xfrm>
         </p:spPr>
         <p:txBody>
@@ -1488,39 +1488,39 @@
           <a:lstStyle>
             <a:lvl1pPr marL="0" indent="0">
               <a:buNone/>
-              <a:defRPr sz="1800" b="1"/>
+              <a:defRPr sz="1890" b="1"/>
             </a:lvl1pPr>
-            <a:lvl2pPr marL="342900" indent="0">
-              <a:buNone/>
-              <a:defRPr sz="1500" b="1"/>
+            <a:lvl2pPr marL="359954" indent="0">
+              <a:buNone/>
+              <a:defRPr sz="1575" b="1"/>
             </a:lvl2pPr>
-            <a:lvl3pPr marL="685800" indent="0">
-              <a:buNone/>
-              <a:defRPr sz="1350" b="1"/>
+            <a:lvl3pPr marL="719907" indent="0">
+              <a:buNone/>
+              <a:defRPr sz="1417" b="1"/>
             </a:lvl3pPr>
-            <a:lvl4pPr marL="1028700" indent="0">
-              <a:buNone/>
-              <a:defRPr sz="1200" b="1"/>
+            <a:lvl4pPr marL="1079861" indent="0">
+              <a:buNone/>
+              <a:defRPr sz="1260" b="1"/>
             </a:lvl4pPr>
-            <a:lvl5pPr marL="1371600" indent="0">
-              <a:buNone/>
-              <a:defRPr sz="1200" b="1"/>
+            <a:lvl5pPr marL="1439814" indent="0">
+              <a:buNone/>
+              <a:defRPr sz="1260" b="1"/>
             </a:lvl5pPr>
-            <a:lvl6pPr marL="1714500" indent="0">
-              <a:buNone/>
-              <a:defRPr sz="1200" b="1"/>
+            <a:lvl6pPr marL="1799768" indent="0">
+              <a:buNone/>
+              <a:defRPr sz="1260" b="1"/>
             </a:lvl6pPr>
-            <a:lvl7pPr marL="2057400" indent="0">
-              <a:buNone/>
-              <a:defRPr sz="1200" b="1"/>
+            <a:lvl7pPr marL="2159721" indent="0">
+              <a:buNone/>
+              <a:defRPr sz="1260" b="1"/>
             </a:lvl7pPr>
-            <a:lvl8pPr marL="2400300" indent="0">
-              <a:buNone/>
-              <a:defRPr sz="1200" b="1"/>
+            <a:lvl8pPr marL="2519675" indent="0">
+              <a:buNone/>
+              <a:defRPr sz="1260" b="1"/>
             </a:lvl8pPr>
-            <a:lvl9pPr marL="2743200" indent="0">
-              <a:buNone/>
-              <a:defRPr sz="1200" b="1"/>
+            <a:lvl9pPr marL="2879628" indent="0">
+              <a:buNone/>
+              <a:defRPr sz="1260" b="1"/>
             </a:lvl9pPr>
           </a:lstStyle>
           <a:p>
@@ -1544,8 +1544,8 @@
         </p:nvSpPr>
         <p:spPr>
           <a:xfrm>
-            <a:off x="3471863" y="2923168"/>
-            <a:ext cx="2915543" cy="4299539"/>
+            <a:off x="3644652" y="2629749"/>
+            <a:ext cx="3060646" cy="3867965"/>
           </a:xfrm>
         </p:spPr>
         <p:txBody>
@@ -1606,7 +1606,7 @@
           <a:p>
             <a:fld id="{BBC3F7C4-7E56-4B34-8CEA-9FA02990AABE}" type="datetimeFigureOut">
               <a:rPr lang="en-GB" smtClean="0"/>
-              <a:t>05/11/2021</a:t>
+              <a:t>07/11/2021</a:t>
             </a:fld>
             <a:endParaRPr lang="en-GB"/>
           </a:p>
@@ -1657,7 +1657,7 @@
     </p:spTree>
     <p:extLst>
       <p:ext uri="{BB962C8B-B14F-4D97-AF65-F5344CB8AC3E}">
-        <p14:creationId xmlns:p14="http://schemas.microsoft.com/office/powerpoint/2010/main" val="2755775364"/>
+        <p14:creationId xmlns:p14="http://schemas.microsoft.com/office/powerpoint/2010/main" val="2363489234"/>
       </p:ext>
     </p:extLst>
   </p:cSld>
@@ -1724,7 +1724,7 @@
           <a:p>
             <a:fld id="{BBC3F7C4-7E56-4B34-8CEA-9FA02990AABE}" type="datetimeFigureOut">
               <a:rPr lang="en-GB" smtClean="0"/>
-              <a:t>05/11/2021</a:t>
+              <a:t>07/11/2021</a:t>
             </a:fld>
             <a:endParaRPr lang="en-GB"/>
           </a:p>
@@ -1775,7 +1775,7 @@
     </p:spTree>
     <p:extLst>
       <p:ext uri="{BB962C8B-B14F-4D97-AF65-F5344CB8AC3E}">
-        <p14:creationId xmlns:p14="http://schemas.microsoft.com/office/powerpoint/2010/main" val="3829036229"/>
+        <p14:creationId xmlns:p14="http://schemas.microsoft.com/office/powerpoint/2010/main" val="1490405208"/>
       </p:ext>
     </p:extLst>
   </p:cSld>
@@ -1819,7 +1819,7 @@
           <a:p>
             <a:fld id="{BBC3F7C4-7E56-4B34-8CEA-9FA02990AABE}" type="datetimeFigureOut">
               <a:rPr lang="en-GB" smtClean="0"/>
-              <a:t>05/11/2021</a:t>
+              <a:t>07/11/2021</a:t>
             </a:fld>
             <a:endParaRPr lang="en-GB"/>
           </a:p>
@@ -1870,7 +1870,7 @@
     </p:spTree>
     <p:extLst>
       <p:ext uri="{BB962C8B-B14F-4D97-AF65-F5344CB8AC3E}">
-        <p14:creationId xmlns:p14="http://schemas.microsoft.com/office/powerpoint/2010/main" val="2911743366"/>
+        <p14:creationId xmlns:p14="http://schemas.microsoft.com/office/powerpoint/2010/main" val="3173232359"/>
       </p:ext>
     </p:extLst>
   </p:cSld>
@@ -1909,15 +1909,15 @@
         </p:nvSpPr>
         <p:spPr>
           <a:xfrm>
-            <a:off x="472381" y="533506"/>
-            <a:ext cx="2211884" cy="1867271"/>
+            <a:off x="495890" y="479954"/>
+            <a:ext cx="2321966" cy="1679840"/>
           </a:xfrm>
         </p:spPr>
         <p:txBody>
           <a:bodyPr anchor="b"/>
           <a:lstStyle>
             <a:lvl1pPr>
-              <a:defRPr sz="2400"/>
+              <a:defRPr sz="2519"/>
             </a:lvl1pPr>
           </a:lstStyle>
           <a:p>
@@ -1941,39 +1941,39 @@
         </p:nvSpPr>
         <p:spPr>
           <a:xfrm>
-            <a:off x="2915543" y="1152226"/>
-            <a:ext cx="3471863" cy="5687024"/>
+            <a:off x="3060646" y="1036570"/>
+            <a:ext cx="3644652" cy="5116178"/>
           </a:xfrm>
         </p:spPr>
         <p:txBody>
           <a:bodyPr/>
           <a:lstStyle>
             <a:lvl1pPr>
-              <a:defRPr sz="2400"/>
+              <a:defRPr sz="2519"/>
             </a:lvl1pPr>
             <a:lvl2pPr>
-              <a:defRPr sz="2100"/>
+              <a:defRPr sz="2204"/>
             </a:lvl2pPr>
             <a:lvl3pPr>
-              <a:defRPr sz="1800"/>
+              <a:defRPr sz="1890"/>
             </a:lvl3pPr>
             <a:lvl4pPr>
-              <a:defRPr sz="1500"/>
+              <a:defRPr sz="1575"/>
             </a:lvl4pPr>
             <a:lvl5pPr>
-              <a:defRPr sz="1500"/>
+              <a:defRPr sz="1575"/>
             </a:lvl5pPr>
             <a:lvl6pPr>
-              <a:defRPr sz="1500"/>
+              <a:defRPr sz="1575"/>
             </a:lvl6pPr>
             <a:lvl7pPr>
-              <a:defRPr sz="1500"/>
+              <a:defRPr sz="1575"/>
             </a:lvl7pPr>
             <a:lvl8pPr>
-              <a:defRPr sz="1500"/>
+              <a:defRPr sz="1575"/>
             </a:lvl8pPr>
             <a:lvl9pPr>
-              <a:defRPr sz="1500"/>
+              <a:defRPr sz="1575"/>
             </a:lvl9pPr>
           </a:lstStyle>
           <a:p>
@@ -2026,8 +2026,8 @@
         </p:nvSpPr>
         <p:spPr>
           <a:xfrm>
-            <a:off x="472381" y="2400777"/>
-            <a:ext cx="2211884" cy="4447735"/>
+            <a:off x="495890" y="2159794"/>
+            <a:ext cx="2321966" cy="4001285"/>
           </a:xfrm>
         </p:spPr>
         <p:txBody>
@@ -2035,39 +2035,39 @@
           <a:lstStyle>
             <a:lvl1pPr marL="0" indent="0">
               <a:buNone/>
-              <a:defRPr sz="1200"/>
+              <a:defRPr sz="1260"/>
             </a:lvl1pPr>
-            <a:lvl2pPr marL="342900" indent="0">
-              <a:buNone/>
-              <a:defRPr sz="1050"/>
+            <a:lvl2pPr marL="359954" indent="0">
+              <a:buNone/>
+              <a:defRPr sz="1102"/>
             </a:lvl2pPr>
-            <a:lvl3pPr marL="685800" indent="0">
-              <a:buNone/>
-              <a:defRPr sz="900"/>
+            <a:lvl3pPr marL="719907" indent="0">
+              <a:buNone/>
+              <a:defRPr sz="945"/>
             </a:lvl3pPr>
-            <a:lvl4pPr marL="1028700" indent="0">
-              <a:buNone/>
-              <a:defRPr sz="750"/>
+            <a:lvl4pPr marL="1079861" indent="0">
+              <a:buNone/>
+              <a:defRPr sz="787"/>
             </a:lvl4pPr>
-            <a:lvl5pPr marL="1371600" indent="0">
-              <a:buNone/>
-              <a:defRPr sz="750"/>
+            <a:lvl5pPr marL="1439814" indent="0">
+              <a:buNone/>
+              <a:defRPr sz="787"/>
             </a:lvl5pPr>
-            <a:lvl6pPr marL="1714500" indent="0">
-              <a:buNone/>
-              <a:defRPr sz="750"/>
+            <a:lvl6pPr marL="1799768" indent="0">
+              <a:buNone/>
+              <a:defRPr sz="787"/>
             </a:lvl6pPr>
-            <a:lvl7pPr marL="2057400" indent="0">
-              <a:buNone/>
-              <a:defRPr sz="750"/>
+            <a:lvl7pPr marL="2159721" indent="0">
+              <a:buNone/>
+              <a:defRPr sz="787"/>
             </a:lvl7pPr>
-            <a:lvl8pPr marL="2400300" indent="0">
-              <a:buNone/>
-              <a:defRPr sz="750"/>
+            <a:lvl8pPr marL="2519675" indent="0">
+              <a:buNone/>
+              <a:defRPr sz="787"/>
             </a:lvl8pPr>
-            <a:lvl9pPr marL="2743200" indent="0">
-              <a:buNone/>
-              <a:defRPr sz="750"/>
+            <a:lvl9pPr marL="2879628" indent="0">
+              <a:buNone/>
+              <a:defRPr sz="787"/>
             </a:lvl9pPr>
           </a:lstStyle>
           <a:p>
@@ -2096,7 +2096,7 @@
           <a:p>
             <a:fld id="{BBC3F7C4-7E56-4B34-8CEA-9FA02990AABE}" type="datetimeFigureOut">
               <a:rPr lang="en-GB" smtClean="0"/>
-              <a:t>05/11/2021</a:t>
+              <a:t>07/11/2021</a:t>
             </a:fld>
             <a:endParaRPr lang="en-GB"/>
           </a:p>
@@ -2147,7 +2147,7 @@
     </p:spTree>
     <p:extLst>
       <p:ext uri="{BB962C8B-B14F-4D97-AF65-F5344CB8AC3E}">
-        <p14:creationId xmlns:p14="http://schemas.microsoft.com/office/powerpoint/2010/main" val="1085365594"/>
+        <p14:creationId xmlns:p14="http://schemas.microsoft.com/office/powerpoint/2010/main" val="3642788825"/>
       </p:ext>
     </p:extLst>
   </p:cSld>
@@ -2186,15 +2186,15 @@
         </p:nvSpPr>
         <p:spPr>
           <a:xfrm>
-            <a:off x="472381" y="533506"/>
-            <a:ext cx="2211884" cy="1867271"/>
+            <a:off x="495890" y="479954"/>
+            <a:ext cx="2321966" cy="1679840"/>
           </a:xfrm>
         </p:spPr>
         <p:txBody>
           <a:bodyPr anchor="b"/>
           <a:lstStyle>
             <a:lvl1pPr>
-              <a:defRPr sz="2400"/>
+              <a:defRPr sz="2519"/>
             </a:lvl1pPr>
           </a:lstStyle>
           <a:p>
@@ -2218,8 +2218,8 @@
         </p:nvSpPr>
         <p:spPr>
           <a:xfrm>
-            <a:off x="2915543" y="1152226"/>
-            <a:ext cx="3471863" cy="5687024"/>
+            <a:off x="3060646" y="1036570"/>
+            <a:ext cx="3644652" cy="5116178"/>
           </a:xfrm>
         </p:spPr>
         <p:txBody>
@@ -2227,39 +2227,39 @@
           <a:lstStyle>
             <a:lvl1pPr marL="0" indent="0">
               <a:buNone/>
-              <a:defRPr sz="2400"/>
+              <a:defRPr sz="2519"/>
             </a:lvl1pPr>
-            <a:lvl2pPr marL="342900" indent="0">
-              <a:buNone/>
-              <a:defRPr sz="2100"/>
+            <a:lvl2pPr marL="359954" indent="0">
+              <a:buNone/>
+              <a:defRPr sz="2204"/>
             </a:lvl2pPr>
-            <a:lvl3pPr marL="685800" indent="0">
-              <a:buNone/>
-              <a:defRPr sz="1800"/>
+            <a:lvl3pPr marL="719907" indent="0">
+              <a:buNone/>
+              <a:defRPr sz="1890"/>
             </a:lvl3pPr>
-            <a:lvl4pPr marL="1028700" indent="0">
-              <a:buNone/>
-              <a:defRPr sz="1500"/>
+            <a:lvl4pPr marL="1079861" indent="0">
+              <a:buNone/>
+              <a:defRPr sz="1575"/>
             </a:lvl4pPr>
-            <a:lvl5pPr marL="1371600" indent="0">
-              <a:buNone/>
-              <a:defRPr sz="1500"/>
+            <a:lvl5pPr marL="1439814" indent="0">
+              <a:buNone/>
+              <a:defRPr sz="1575"/>
             </a:lvl5pPr>
-            <a:lvl6pPr marL="1714500" indent="0">
-              <a:buNone/>
-              <a:defRPr sz="1500"/>
+            <a:lvl6pPr marL="1799768" indent="0">
+              <a:buNone/>
+              <a:defRPr sz="1575"/>
             </a:lvl6pPr>
-            <a:lvl7pPr marL="2057400" indent="0">
-              <a:buNone/>
-              <a:defRPr sz="1500"/>
+            <a:lvl7pPr marL="2159721" indent="0">
+              <a:buNone/>
+              <a:defRPr sz="1575"/>
             </a:lvl7pPr>
-            <a:lvl8pPr marL="2400300" indent="0">
-              <a:buNone/>
-              <a:defRPr sz="1500"/>
+            <a:lvl8pPr marL="2519675" indent="0">
+              <a:buNone/>
+              <a:defRPr sz="1575"/>
             </a:lvl8pPr>
-            <a:lvl9pPr marL="2743200" indent="0">
-              <a:buNone/>
-              <a:defRPr sz="1500"/>
+            <a:lvl9pPr marL="2879628" indent="0">
+              <a:buNone/>
+              <a:defRPr sz="1575"/>
             </a:lvl9pPr>
           </a:lstStyle>
           <a:p>
@@ -2283,8 +2283,8 @@
         </p:nvSpPr>
         <p:spPr>
           <a:xfrm>
-            <a:off x="472381" y="2400777"/>
-            <a:ext cx="2211884" cy="4447735"/>
+            <a:off x="495890" y="2159794"/>
+            <a:ext cx="2321966" cy="4001285"/>
           </a:xfrm>
         </p:spPr>
         <p:txBody>
@@ -2292,39 +2292,39 @@
           <a:lstStyle>
             <a:lvl1pPr marL="0" indent="0">
               <a:buNone/>
-              <a:defRPr sz="1200"/>
+              <a:defRPr sz="1260"/>
             </a:lvl1pPr>
-            <a:lvl2pPr marL="342900" indent="0">
-              <a:buNone/>
-              <a:defRPr sz="1050"/>
+            <a:lvl2pPr marL="359954" indent="0">
+              <a:buNone/>
+              <a:defRPr sz="1102"/>
             </a:lvl2pPr>
-            <a:lvl3pPr marL="685800" indent="0">
-              <a:buNone/>
-              <a:defRPr sz="900"/>
+            <a:lvl3pPr marL="719907" indent="0">
+              <a:buNone/>
+              <a:defRPr sz="945"/>
             </a:lvl3pPr>
-            <a:lvl4pPr marL="1028700" indent="0">
-              <a:buNone/>
-              <a:defRPr sz="750"/>
+            <a:lvl4pPr marL="1079861" indent="0">
+              <a:buNone/>
+              <a:defRPr sz="787"/>
             </a:lvl4pPr>
-            <a:lvl5pPr marL="1371600" indent="0">
-              <a:buNone/>
-              <a:defRPr sz="750"/>
+            <a:lvl5pPr marL="1439814" indent="0">
+              <a:buNone/>
+              <a:defRPr sz="787"/>
             </a:lvl5pPr>
-            <a:lvl6pPr marL="1714500" indent="0">
-              <a:buNone/>
-              <a:defRPr sz="750"/>
+            <a:lvl6pPr marL="1799768" indent="0">
+              <a:buNone/>
+              <a:defRPr sz="787"/>
             </a:lvl6pPr>
-            <a:lvl7pPr marL="2057400" indent="0">
-              <a:buNone/>
-              <a:defRPr sz="750"/>
+            <a:lvl7pPr marL="2159721" indent="0">
+              <a:buNone/>
+              <a:defRPr sz="787"/>
             </a:lvl7pPr>
-            <a:lvl8pPr marL="2400300" indent="0">
-              <a:buNone/>
-              <a:defRPr sz="750"/>
+            <a:lvl8pPr marL="2519675" indent="0">
+              <a:buNone/>
+              <a:defRPr sz="787"/>
             </a:lvl8pPr>
-            <a:lvl9pPr marL="2743200" indent="0">
-              <a:buNone/>
-              <a:defRPr sz="750"/>
+            <a:lvl9pPr marL="2879628" indent="0">
+              <a:buNone/>
+              <a:defRPr sz="787"/>
             </a:lvl9pPr>
           </a:lstStyle>
           <a:p>
@@ -2353,7 +2353,7 @@
           <a:p>
             <a:fld id="{BBC3F7C4-7E56-4B34-8CEA-9FA02990AABE}" type="datetimeFigureOut">
               <a:rPr lang="en-GB" smtClean="0"/>
-              <a:t>05/11/2021</a:t>
+              <a:t>07/11/2021</a:t>
             </a:fld>
             <a:endParaRPr lang="en-GB"/>
           </a:p>
@@ -2404,7 +2404,7 @@
     </p:spTree>
     <p:extLst>
       <p:ext uri="{BB962C8B-B14F-4D97-AF65-F5344CB8AC3E}">
-        <p14:creationId xmlns:p14="http://schemas.microsoft.com/office/powerpoint/2010/main" val="2499125543"/>
+        <p14:creationId xmlns:p14="http://schemas.microsoft.com/office/powerpoint/2010/main" val="397066850"/>
       </p:ext>
     </p:extLst>
   </p:cSld>
@@ -2448,8 +2448,8 @@
         </p:nvSpPr>
         <p:spPr>
           <a:xfrm>
-            <a:off x="471488" y="426066"/>
-            <a:ext cx="5915025" cy="1546797"/>
+            <a:off x="494953" y="383299"/>
+            <a:ext cx="6209407" cy="1391534"/>
           </a:xfrm>
           <a:prstGeom prst="rect">
             <a:avLst/>
@@ -2481,8 +2481,8 @@
         </p:nvSpPr>
         <p:spPr>
           <a:xfrm>
-            <a:off x="471488" y="2130318"/>
-            <a:ext cx="5915025" cy="5077569"/>
+            <a:off x="494953" y="1916484"/>
+            <a:ext cx="6209407" cy="4567898"/>
           </a:xfrm>
           <a:prstGeom prst="rect">
             <a:avLst/>
@@ -2543,8 +2543,8 @@
         </p:nvSpPr>
         <p:spPr>
           <a:xfrm>
-            <a:off x="471488" y="7417215"/>
-            <a:ext cx="1543050" cy="426064"/>
+            <a:off x="494953" y="6672698"/>
+            <a:ext cx="1619845" cy="383297"/>
           </a:xfrm>
           <a:prstGeom prst="rect">
             <a:avLst/>
@@ -2554,7 +2554,7 @@
           <a:bodyPr vert="horz" lIns="91440" tIns="45720" rIns="91440" bIns="45720" rtlCol="0" anchor="ctr"/>
           <a:lstStyle>
             <a:lvl1pPr algn="l">
-              <a:defRPr sz="900">
+              <a:defRPr sz="945">
                 <a:solidFill>
                   <a:schemeClr val="tx1">
                     <a:tint val="75000"/>
@@ -2566,7 +2566,7 @@
           <a:p>
             <a:fld id="{BBC3F7C4-7E56-4B34-8CEA-9FA02990AABE}" type="datetimeFigureOut">
               <a:rPr lang="en-GB" smtClean="0"/>
-              <a:t>05/11/2021</a:t>
+              <a:t>07/11/2021</a:t>
             </a:fld>
             <a:endParaRPr lang="en-GB"/>
           </a:p>
@@ -2584,8 +2584,8 @@
         </p:nvSpPr>
         <p:spPr>
           <a:xfrm>
-            <a:off x="2271713" y="7417215"/>
-            <a:ext cx="2314575" cy="426064"/>
+            <a:off x="2384773" y="6672698"/>
+            <a:ext cx="2429768" cy="383297"/>
           </a:xfrm>
           <a:prstGeom prst="rect">
             <a:avLst/>
@@ -2595,7 +2595,7 @@
           <a:bodyPr vert="horz" lIns="91440" tIns="45720" rIns="91440" bIns="45720" rtlCol="0" anchor="ctr"/>
           <a:lstStyle>
             <a:lvl1pPr algn="ctr">
-              <a:defRPr sz="900">
+              <a:defRPr sz="945">
                 <a:solidFill>
                   <a:schemeClr val="tx1">
                     <a:tint val="75000"/>
@@ -2621,8 +2621,8 @@
         </p:nvSpPr>
         <p:spPr>
           <a:xfrm>
-            <a:off x="4843463" y="7417215"/>
-            <a:ext cx="1543050" cy="426064"/>
+            <a:off x="5084515" y="6672698"/>
+            <a:ext cx="1619845" cy="383297"/>
           </a:xfrm>
           <a:prstGeom prst="rect">
             <a:avLst/>
@@ -2632,7 +2632,7 @@
           <a:bodyPr vert="horz" lIns="91440" tIns="45720" rIns="91440" bIns="45720" rtlCol="0" anchor="ctr"/>
           <a:lstStyle>
             <a:lvl1pPr algn="r">
-              <a:defRPr sz="900">
+              <a:defRPr sz="945">
                 <a:solidFill>
                   <a:schemeClr val="tx1">
                     <a:tint val="75000"/>
@@ -2653,27 +2653,27 @@
     </p:spTree>
     <p:extLst>
       <p:ext uri="{BB962C8B-B14F-4D97-AF65-F5344CB8AC3E}">
-        <p14:creationId xmlns:p14="http://schemas.microsoft.com/office/powerpoint/2010/main" val="2486133483"/>
+        <p14:creationId xmlns:p14="http://schemas.microsoft.com/office/powerpoint/2010/main" val="1474369895"/>
       </p:ext>
     </p:extLst>
   </p:cSld>
   <p:clrMap bg1="lt1" tx1="dk1" bg2="lt2" tx2="dk2" accent1="accent1" accent2="accent2" accent3="accent3" accent4="accent4" accent5="accent5" accent6="accent6" hlink="hlink" folHlink="folHlink"/>
   <p:sldLayoutIdLst>
-    <p:sldLayoutId id="2147483661" r:id="rId1"/>
-    <p:sldLayoutId id="2147483662" r:id="rId2"/>
-    <p:sldLayoutId id="2147483663" r:id="rId3"/>
-    <p:sldLayoutId id="2147483664" r:id="rId4"/>
-    <p:sldLayoutId id="2147483665" r:id="rId5"/>
-    <p:sldLayoutId id="2147483666" r:id="rId6"/>
-    <p:sldLayoutId id="2147483667" r:id="rId7"/>
-    <p:sldLayoutId id="2147483668" r:id="rId8"/>
-    <p:sldLayoutId id="2147483669" r:id="rId9"/>
-    <p:sldLayoutId id="2147483670" r:id="rId10"/>
-    <p:sldLayoutId id="2147483671" r:id="rId11"/>
+    <p:sldLayoutId id="2147483673" r:id="rId1"/>
+    <p:sldLayoutId id="2147483674" r:id="rId2"/>
+    <p:sldLayoutId id="2147483675" r:id="rId3"/>
+    <p:sldLayoutId id="2147483676" r:id="rId4"/>
+    <p:sldLayoutId id="2147483677" r:id="rId5"/>
+    <p:sldLayoutId id="2147483678" r:id="rId6"/>
+    <p:sldLayoutId id="2147483679" r:id="rId7"/>
+    <p:sldLayoutId id="2147483680" r:id="rId8"/>
+    <p:sldLayoutId id="2147483681" r:id="rId9"/>
+    <p:sldLayoutId id="2147483682" r:id="rId10"/>
+    <p:sldLayoutId id="2147483683" r:id="rId11"/>
   </p:sldLayoutIdLst>
   <p:txStyles>
     <p:titleStyle>
-      <a:lvl1pPr algn="l" defTabSz="685800" rtl="0" eaLnBrk="1" latinLnBrk="0" hangingPunct="1">
+      <a:lvl1pPr algn="l" defTabSz="719907" rtl="0" eaLnBrk="1" latinLnBrk="0" hangingPunct="1">
         <a:lnSpc>
           <a:spcPct val="90000"/>
         </a:lnSpc>
@@ -2681,7 +2681,7 @@
           <a:spcPct val="0"/>
         </a:spcBef>
         <a:buNone/>
-        <a:defRPr sz="3300" kern="1200">
+        <a:defRPr sz="3464" kern="1200">
           <a:solidFill>
             <a:schemeClr val="tx1"/>
           </a:solidFill>
@@ -2692,16 +2692,16 @@
       </a:lvl1pPr>
     </p:titleStyle>
     <p:bodyStyle>
-      <a:lvl1pPr marL="171450" indent="-171450" algn="l" defTabSz="685800" rtl="0" eaLnBrk="1" latinLnBrk="0" hangingPunct="1">
+      <a:lvl1pPr marL="179977" indent="-179977" algn="l" defTabSz="719907" rtl="0" eaLnBrk="1" latinLnBrk="0" hangingPunct="1">
         <a:lnSpc>
           <a:spcPct val="90000"/>
         </a:lnSpc>
         <a:spcBef>
-          <a:spcPts val="750"/>
+          <a:spcPts val="787"/>
         </a:spcBef>
         <a:buFont typeface="Arial" panose="020B0604020202020204" pitchFamily="34" charset="0"/>
         <a:buChar char="•"/>
-        <a:defRPr sz="2100" kern="1200">
+        <a:defRPr sz="2204" kern="1200">
           <a:solidFill>
             <a:schemeClr val="tx1"/>
           </a:solidFill>
@@ -2710,16 +2710,16 @@
           <a:cs typeface="+mn-cs"/>
         </a:defRPr>
       </a:lvl1pPr>
-      <a:lvl2pPr marL="514350" indent="-171450" algn="l" defTabSz="685800" rtl="0" eaLnBrk="1" latinLnBrk="0" hangingPunct="1">
+      <a:lvl2pPr marL="539930" indent="-179977" algn="l" defTabSz="719907" rtl="0" eaLnBrk="1" latinLnBrk="0" hangingPunct="1">
         <a:lnSpc>
           <a:spcPct val="90000"/>
         </a:lnSpc>
         <a:spcBef>
-          <a:spcPts val="375"/>
+          <a:spcPts val="394"/>
         </a:spcBef>
         <a:buFont typeface="Arial" panose="020B0604020202020204" pitchFamily="34" charset="0"/>
         <a:buChar char="•"/>
-        <a:defRPr sz="1800" kern="1200">
+        <a:defRPr sz="1890" kern="1200">
           <a:solidFill>
             <a:schemeClr val="tx1"/>
           </a:solidFill>
@@ -2728,16 +2728,16 @@
           <a:cs typeface="+mn-cs"/>
         </a:defRPr>
       </a:lvl2pPr>
-      <a:lvl3pPr marL="857250" indent="-171450" algn="l" defTabSz="685800" rtl="0" eaLnBrk="1" latinLnBrk="0" hangingPunct="1">
+      <a:lvl3pPr marL="899884" indent="-179977" algn="l" defTabSz="719907" rtl="0" eaLnBrk="1" latinLnBrk="0" hangingPunct="1">
         <a:lnSpc>
           <a:spcPct val="90000"/>
         </a:lnSpc>
         <a:spcBef>
-          <a:spcPts val="375"/>
+          <a:spcPts val="394"/>
         </a:spcBef>
         <a:buFont typeface="Arial" panose="020B0604020202020204" pitchFamily="34" charset="0"/>
         <a:buChar char="•"/>
-        <a:defRPr sz="1500" kern="1200">
+        <a:defRPr sz="1575" kern="1200">
           <a:solidFill>
             <a:schemeClr val="tx1"/>
           </a:solidFill>
@@ -2746,16 +2746,16 @@
           <a:cs typeface="+mn-cs"/>
         </a:defRPr>
       </a:lvl3pPr>
-      <a:lvl4pPr marL="1200150" indent="-171450" algn="l" defTabSz="685800" rtl="0" eaLnBrk="1" latinLnBrk="0" hangingPunct="1">
+      <a:lvl4pPr marL="1259837" indent="-179977" algn="l" defTabSz="719907" rtl="0" eaLnBrk="1" latinLnBrk="0" hangingPunct="1">
         <a:lnSpc>
           <a:spcPct val="90000"/>
         </a:lnSpc>
         <a:spcBef>
-          <a:spcPts val="375"/>
+          <a:spcPts val="394"/>
         </a:spcBef>
         <a:buFont typeface="Arial" panose="020B0604020202020204" pitchFamily="34" charset="0"/>
         <a:buChar char="•"/>
-        <a:defRPr sz="1350" kern="1200">
+        <a:defRPr sz="1417" kern="1200">
           <a:solidFill>
             <a:schemeClr val="tx1"/>
           </a:solidFill>
@@ -2764,16 +2764,16 @@
           <a:cs typeface="+mn-cs"/>
         </a:defRPr>
       </a:lvl4pPr>
-      <a:lvl5pPr marL="1543050" indent="-171450" algn="l" defTabSz="685800" rtl="0" eaLnBrk="1" latinLnBrk="0" hangingPunct="1">
+      <a:lvl5pPr marL="1619791" indent="-179977" algn="l" defTabSz="719907" rtl="0" eaLnBrk="1" latinLnBrk="0" hangingPunct="1">
         <a:lnSpc>
           <a:spcPct val="90000"/>
         </a:lnSpc>
         <a:spcBef>
-          <a:spcPts val="375"/>
+          <a:spcPts val="394"/>
         </a:spcBef>
         <a:buFont typeface="Arial" panose="020B0604020202020204" pitchFamily="34" charset="0"/>
         <a:buChar char="•"/>
-        <a:defRPr sz="1350" kern="1200">
+        <a:defRPr sz="1417" kern="1200">
           <a:solidFill>
             <a:schemeClr val="tx1"/>
           </a:solidFill>
@@ -2782,16 +2782,16 @@
           <a:cs typeface="+mn-cs"/>
         </a:defRPr>
       </a:lvl5pPr>
-      <a:lvl6pPr marL="1885950" indent="-171450" algn="l" defTabSz="685800" rtl="0" eaLnBrk="1" latinLnBrk="0" hangingPunct="1">
+      <a:lvl6pPr marL="1979745" indent="-179977" algn="l" defTabSz="719907" rtl="0" eaLnBrk="1" latinLnBrk="0" hangingPunct="1">
         <a:lnSpc>
           <a:spcPct val="90000"/>
         </a:lnSpc>
         <a:spcBef>
-          <a:spcPts val="375"/>
+          <a:spcPts val="394"/>
         </a:spcBef>
         <a:buFont typeface="Arial" panose="020B0604020202020204" pitchFamily="34" charset="0"/>
         <a:buChar char="•"/>
-        <a:defRPr sz="1350" kern="1200">
+        <a:defRPr sz="1417" kern="1200">
           <a:solidFill>
             <a:schemeClr val="tx1"/>
           </a:solidFill>
@@ -2800,16 +2800,16 @@
           <a:cs typeface="+mn-cs"/>
         </a:defRPr>
       </a:lvl6pPr>
-      <a:lvl7pPr marL="2228850" indent="-171450" algn="l" defTabSz="685800" rtl="0" eaLnBrk="1" latinLnBrk="0" hangingPunct="1">
+      <a:lvl7pPr marL="2339698" indent="-179977" algn="l" defTabSz="719907" rtl="0" eaLnBrk="1" latinLnBrk="0" hangingPunct="1">
         <a:lnSpc>
           <a:spcPct val="90000"/>
         </a:lnSpc>
         <a:spcBef>
-          <a:spcPts val="375"/>
+          <a:spcPts val="394"/>
         </a:spcBef>
         <a:buFont typeface="Arial" panose="020B0604020202020204" pitchFamily="34" charset="0"/>
         <a:buChar char="•"/>
-        <a:defRPr sz="1350" kern="1200">
+        <a:defRPr sz="1417" kern="1200">
           <a:solidFill>
             <a:schemeClr val="tx1"/>
           </a:solidFill>
@@ -2818,16 +2818,16 @@
           <a:cs typeface="+mn-cs"/>
         </a:defRPr>
       </a:lvl7pPr>
-      <a:lvl8pPr marL="2571750" indent="-171450" algn="l" defTabSz="685800" rtl="0" eaLnBrk="1" latinLnBrk="0" hangingPunct="1">
+      <a:lvl8pPr marL="2699652" indent="-179977" algn="l" defTabSz="719907" rtl="0" eaLnBrk="1" latinLnBrk="0" hangingPunct="1">
         <a:lnSpc>
           <a:spcPct val="90000"/>
         </a:lnSpc>
         <a:spcBef>
-          <a:spcPts val="375"/>
+          <a:spcPts val="394"/>
         </a:spcBef>
         <a:buFont typeface="Arial" panose="020B0604020202020204" pitchFamily="34" charset="0"/>
         <a:buChar char="•"/>
-        <a:defRPr sz="1350" kern="1200">
+        <a:defRPr sz="1417" kern="1200">
           <a:solidFill>
             <a:schemeClr val="tx1"/>
           </a:solidFill>
@@ -2836,16 +2836,16 @@
           <a:cs typeface="+mn-cs"/>
         </a:defRPr>
       </a:lvl8pPr>
-      <a:lvl9pPr marL="2914650" indent="-171450" algn="l" defTabSz="685800" rtl="0" eaLnBrk="1" latinLnBrk="0" hangingPunct="1">
+      <a:lvl9pPr marL="3059605" indent="-179977" algn="l" defTabSz="719907" rtl="0" eaLnBrk="1" latinLnBrk="0" hangingPunct="1">
         <a:lnSpc>
           <a:spcPct val="90000"/>
         </a:lnSpc>
         <a:spcBef>
-          <a:spcPts val="375"/>
+          <a:spcPts val="394"/>
         </a:spcBef>
         <a:buFont typeface="Arial" panose="020B0604020202020204" pitchFamily="34" charset="0"/>
         <a:buChar char="•"/>
-        <a:defRPr sz="1350" kern="1200">
+        <a:defRPr sz="1417" kern="1200">
           <a:solidFill>
             <a:schemeClr val="tx1"/>
           </a:solidFill>
@@ -2859,8 +2859,8 @@
       <a:defPPr>
         <a:defRPr lang="en-US"/>
       </a:defPPr>
-      <a:lvl1pPr marL="0" algn="l" defTabSz="685800" rtl="0" eaLnBrk="1" latinLnBrk="0" hangingPunct="1">
-        <a:defRPr sz="1350" kern="1200">
+      <a:lvl1pPr marL="0" algn="l" defTabSz="719907" rtl="0" eaLnBrk="1" latinLnBrk="0" hangingPunct="1">
+        <a:defRPr sz="1417" kern="1200">
           <a:solidFill>
             <a:schemeClr val="tx1"/>
           </a:solidFill>
@@ -2869,8 +2869,8 @@
           <a:cs typeface="+mn-cs"/>
         </a:defRPr>
       </a:lvl1pPr>
-      <a:lvl2pPr marL="342900" algn="l" defTabSz="685800" rtl="0" eaLnBrk="1" latinLnBrk="0" hangingPunct="1">
-        <a:defRPr sz="1350" kern="1200">
+      <a:lvl2pPr marL="359954" algn="l" defTabSz="719907" rtl="0" eaLnBrk="1" latinLnBrk="0" hangingPunct="1">
+        <a:defRPr sz="1417" kern="1200">
           <a:solidFill>
             <a:schemeClr val="tx1"/>
           </a:solidFill>
@@ -2879,8 +2879,8 @@
           <a:cs typeface="+mn-cs"/>
         </a:defRPr>
       </a:lvl2pPr>
-      <a:lvl3pPr marL="685800" algn="l" defTabSz="685800" rtl="0" eaLnBrk="1" latinLnBrk="0" hangingPunct="1">
-        <a:defRPr sz="1350" kern="1200">
+      <a:lvl3pPr marL="719907" algn="l" defTabSz="719907" rtl="0" eaLnBrk="1" latinLnBrk="0" hangingPunct="1">
+        <a:defRPr sz="1417" kern="1200">
           <a:solidFill>
             <a:schemeClr val="tx1"/>
           </a:solidFill>
@@ -2889,8 +2889,8 @@
           <a:cs typeface="+mn-cs"/>
         </a:defRPr>
       </a:lvl3pPr>
-      <a:lvl4pPr marL="1028700" algn="l" defTabSz="685800" rtl="0" eaLnBrk="1" latinLnBrk="0" hangingPunct="1">
-        <a:defRPr sz="1350" kern="1200">
+      <a:lvl4pPr marL="1079861" algn="l" defTabSz="719907" rtl="0" eaLnBrk="1" latinLnBrk="0" hangingPunct="1">
+        <a:defRPr sz="1417" kern="1200">
           <a:solidFill>
             <a:schemeClr val="tx1"/>
           </a:solidFill>
@@ -2899,8 +2899,8 @@
           <a:cs typeface="+mn-cs"/>
         </a:defRPr>
       </a:lvl4pPr>
-      <a:lvl5pPr marL="1371600" algn="l" defTabSz="685800" rtl="0" eaLnBrk="1" latinLnBrk="0" hangingPunct="1">
-        <a:defRPr sz="1350" kern="1200">
+      <a:lvl5pPr marL="1439814" algn="l" defTabSz="719907" rtl="0" eaLnBrk="1" latinLnBrk="0" hangingPunct="1">
+        <a:defRPr sz="1417" kern="1200">
           <a:solidFill>
             <a:schemeClr val="tx1"/>
           </a:solidFill>
@@ -2909,8 +2909,8 @@
           <a:cs typeface="+mn-cs"/>
         </a:defRPr>
       </a:lvl5pPr>
-      <a:lvl6pPr marL="1714500" algn="l" defTabSz="685800" rtl="0" eaLnBrk="1" latinLnBrk="0" hangingPunct="1">
-        <a:defRPr sz="1350" kern="1200">
+      <a:lvl6pPr marL="1799768" algn="l" defTabSz="719907" rtl="0" eaLnBrk="1" latinLnBrk="0" hangingPunct="1">
+        <a:defRPr sz="1417" kern="1200">
           <a:solidFill>
             <a:schemeClr val="tx1"/>
           </a:solidFill>
@@ -2919,8 +2919,8 @@
           <a:cs typeface="+mn-cs"/>
         </a:defRPr>
       </a:lvl6pPr>
-      <a:lvl7pPr marL="2057400" algn="l" defTabSz="685800" rtl="0" eaLnBrk="1" latinLnBrk="0" hangingPunct="1">
-        <a:defRPr sz="1350" kern="1200">
+      <a:lvl7pPr marL="2159721" algn="l" defTabSz="719907" rtl="0" eaLnBrk="1" latinLnBrk="0" hangingPunct="1">
+        <a:defRPr sz="1417" kern="1200">
           <a:solidFill>
             <a:schemeClr val="tx1"/>
           </a:solidFill>
@@ -2929,8 +2929,8 @@
           <a:cs typeface="+mn-cs"/>
         </a:defRPr>
       </a:lvl7pPr>
-      <a:lvl8pPr marL="2400300" algn="l" defTabSz="685800" rtl="0" eaLnBrk="1" latinLnBrk="0" hangingPunct="1">
-        <a:defRPr sz="1350" kern="1200">
+      <a:lvl8pPr marL="2519675" algn="l" defTabSz="719907" rtl="0" eaLnBrk="1" latinLnBrk="0" hangingPunct="1">
+        <a:defRPr sz="1417" kern="1200">
           <a:solidFill>
             <a:schemeClr val="tx1"/>
           </a:solidFill>
@@ -2939,8 +2939,8 @@
           <a:cs typeface="+mn-cs"/>
         </a:defRPr>
       </a:lvl8pPr>
-      <a:lvl9pPr marL="2743200" algn="l" defTabSz="685800" rtl="0" eaLnBrk="1" latinLnBrk="0" hangingPunct="1">
-        <a:defRPr sz="1350" kern="1200">
+      <a:lvl9pPr marL="2879628" algn="l" defTabSz="719907" rtl="0" eaLnBrk="1" latinLnBrk="0" hangingPunct="1">
+        <a:defRPr sz="1417" kern="1200">
           <a:solidFill>
             <a:schemeClr val="tx1"/>
           </a:solidFill>
